--- a/TestBash2024/TestBash2024-TestingLLMAppsWorkshop.pptx
+++ b/TestBash2024/TestBash2024-TestingLLMAppsWorkshop.pptx
@@ -293,7 +293,7 @@
           <a:p>
             <a:fld id="{CB52BD3E-D2C1-427B-A2A3-8DE4C7E2756B}" type="datetimeFigureOut">
               <a:rPr lang="en-US" smtClean="0"/>
-              <a:t>9/12/2024</a:t>
+              <a:t>10/22/2024</a:t>
             </a:fld>
             <a:endParaRPr lang="en-US"/>
           </a:p>
@@ -458,7 +458,7 @@
           <a:p>
             <a:fld id="{64AAECD4-B7D4-4A78-8F10-582E5E1D1B9F}" type="datetimeFigureOut">
               <a:rPr lang="en-US" smtClean="0"/>
-              <a:t>9/12/2024</a:t>
+              <a:t>10/22/2024</a:t>
             </a:fld>
             <a:endParaRPr lang="en-US"/>
           </a:p>
@@ -1302,7 +1302,7 @@
           <a:p>
             <a:fld id="{C92848A3-7EBF-4E7B-829D-0532E9F74C78}" type="datetime4">
               <a:rPr lang="en-US" smtClean="0"/>
-              <a:t>September 12, 2024</a:t>
+              <a:t>October 22, 2024</a:t>
             </a:fld>
             <a:endParaRPr lang="en-US"/>
           </a:p>
@@ -1715,7 +1715,7 @@
           <a:p>
             <a:fld id="{042098E1-6C36-43D0-8917-6DC2845DC92F}" type="datetime4">
               <a:rPr lang="en-US" smtClean="0"/>
-              <a:t>September 12, 2024</a:t>
+              <a:t>October 22, 2024</a:t>
             </a:fld>
             <a:endParaRPr lang="en-US"/>
           </a:p>
@@ -2691,7 +2691,7 @@
           <a:p>
             <a:fld id="{829346C1-624D-4A26-9BEA-60C629BD1394}" type="datetime4">
               <a:rPr lang="en-US" smtClean="0"/>
-              <a:t>September 12, 2024</a:t>
+              <a:t>October 22, 2024</a:t>
             </a:fld>
             <a:endParaRPr lang="en-US"/>
           </a:p>
@@ -2965,7 +2965,7 @@
           <a:p>
             <a:fld id="{F635590D-3958-4093-8504-46E8C421E55B}" type="datetime4">
               <a:rPr lang="en-US" smtClean="0"/>
-              <a:t>September 12, 2024</a:t>
+              <a:t>October 22, 2024</a:t>
             </a:fld>
             <a:endParaRPr lang="en-US"/>
           </a:p>
@@ -3797,7 +3797,7 @@
           <a:p>
             <a:fld id="{EBBB63EA-EDD2-4ED5-B552-E8D246B15A64}" type="datetime4">
               <a:rPr lang="en-US" smtClean="0"/>
-              <a:t>September 12, 2024</a:t>
+              <a:t>October 22, 2024</a:t>
             </a:fld>
             <a:endParaRPr lang="en-US"/>
           </a:p>
@@ -4292,7 +4292,7 @@
           <a:p>
             <a:fld id="{06FDD7D0-BAD9-4E8C-BE8F-8C9E5D34F1C5}" type="datetime4">
               <a:rPr lang="en-US" smtClean="0"/>
-              <a:t>September 12, 2024</a:t>
+              <a:t>October 22, 2024</a:t>
             </a:fld>
             <a:endParaRPr lang="en-US"/>
           </a:p>
@@ -4787,7 +4787,7 @@
           <a:p>
             <a:fld id="{DBCF3E09-829B-4479-99CD-12D46FE5AEF9}" type="datetime4">
               <a:rPr lang="en-US" smtClean="0"/>
-              <a:t>September 12, 2024</a:t>
+              <a:t>October 22, 2024</a:t>
             </a:fld>
             <a:endParaRPr lang="en-US"/>
           </a:p>
@@ -5282,7 +5282,7 @@
           <a:p>
             <a:fld id="{6D778629-48D7-4246-9830-9C63FD8E3EAC}" type="datetime4">
               <a:rPr lang="en-US" smtClean="0"/>
-              <a:t>September 12, 2024</a:t>
+              <a:t>October 22, 2024</a:t>
             </a:fld>
             <a:endParaRPr lang="en-US"/>
           </a:p>
@@ -6098,7 +6098,7 @@
           <a:p>
             <a:fld id="{5E24175D-14AC-4631-954E-8C66197DCD9C}" type="datetime4">
               <a:rPr lang="en-US" smtClean="0"/>
-              <a:t>September 12, 2024</a:t>
+              <a:t>October 22, 2024</a:t>
             </a:fld>
             <a:endParaRPr lang="en-US"/>
           </a:p>
@@ -6417,7 +6417,7 @@
           <a:p>
             <a:fld id="{C047EE80-52B0-46FF-8AF1-94FAAC9E479B}" type="datetime4">
               <a:rPr lang="en-US" smtClean="0"/>
-              <a:t>September 12, 2024</a:t>
+              <a:t>October 22, 2024</a:t>
             </a:fld>
             <a:endParaRPr lang="en-US"/>
           </a:p>
@@ -7296,7 +7296,7 @@
           <a:p>
             <a:fld id="{76306669-9A14-4F10-A248-EF45B68E9FC0}" type="datetime4">
               <a:rPr lang="en-US" smtClean="0"/>
-              <a:t>September 12, 2024</a:t>
+              <a:t>October 22, 2024</a:t>
             </a:fld>
             <a:endParaRPr lang="en-US"/>
           </a:p>
@@ -7943,7 +7943,7 @@
           <a:p>
             <a:fld id="{2D0E0A92-2FC3-4DA6-B29D-EA9AED723472}" type="datetime4">
               <a:rPr lang="en-US" smtClean="0"/>
-              <a:t>September 12, 2024</a:t>
+              <a:t>October 22, 2024</a:t>
             </a:fld>
             <a:endParaRPr lang="en-US"/>
           </a:p>
@@ -11850,7 +11850,7 @@
           <a:p>
             <a:fld id="{463CBF47-F23E-43BF-8EEE-C668BBB6B56F}" type="datetime4">
               <a:rPr lang="en-US" smtClean="0"/>
-              <a:t>September 12, 2024</a:t>
+              <a:t>October 22, 2024</a:t>
             </a:fld>
             <a:endParaRPr lang="en-US"/>
           </a:p>
@@ -12536,7 +12536,7 @@
           <a:p>
             <a:fld id="{957C7F2F-73AF-4769-9BA8-9DA41BF4B984}" type="datetime4">
               <a:rPr lang="en-US" smtClean="0"/>
-              <a:t>September 12, 2024</a:t>
+              <a:t>October 22, 2024</a:t>
             </a:fld>
             <a:endParaRPr lang="en-US"/>
           </a:p>
@@ -13214,7 +13214,7 @@
           <a:p>
             <a:fld id="{4019D813-BDFB-43C5-90C3-8FB8BA637A1A}" type="datetime4">
               <a:rPr lang="en-US" smtClean="0"/>
-              <a:t>September 12, 2024</a:t>
+              <a:t>October 22, 2024</a:t>
             </a:fld>
             <a:endParaRPr lang="en-US"/>
           </a:p>
@@ -13536,7 +13536,7 @@
           <a:p>
             <a:fld id="{CABF88DA-701A-4200-9540-D3242D476D6D}" type="datetime4">
               <a:rPr lang="en-US" smtClean="0"/>
-              <a:t>September 12, 2024</a:t>
+              <a:t>October 22, 2024</a:t>
             </a:fld>
             <a:endParaRPr lang="en-US"/>
           </a:p>
@@ -14063,7 +14063,7 @@
           <a:p>
             <a:fld id="{AE4FEE7A-30AE-4364-95E6-DC3286F90625}" type="datetime4">
               <a:rPr lang="en-US" smtClean="0"/>
-              <a:t>September 12, 2024</a:t>
+              <a:t>October 22, 2024</a:t>
             </a:fld>
             <a:endParaRPr lang="en-US"/>
           </a:p>
@@ -14931,7 +14931,7 @@
           <a:p>
             <a:fld id="{630D8750-B455-4A1D-AC21-8E2B58912443}" type="datetime4">
               <a:rPr lang="en-US" smtClean="0"/>
-              <a:t>September 12, 2024</a:t>
+              <a:t>October 22, 2024</a:t>
             </a:fld>
             <a:endParaRPr lang="en-US"/>
           </a:p>
@@ -15849,7 +15849,7 @@
           <a:p>
             <a:fld id="{13C61C70-943B-4E78-9345-CB10DBCCF699}" type="datetime4">
               <a:rPr lang="en-US" smtClean="0"/>
-              <a:t>September 12, 2024</a:t>
+              <a:t>October 22, 2024</a:t>
             </a:fld>
             <a:endParaRPr lang="en-US"/>
           </a:p>
@@ -16458,7 +16458,7 @@
           <a:p>
             <a:fld id="{68F99E90-57B6-425A-8048-5AEC708DF661}" type="datetime4">
               <a:rPr lang="en-US" smtClean="0"/>
-              <a:t>September 12, 2024</a:t>
+              <a:t>October 22, 2024</a:t>
             </a:fld>
             <a:endParaRPr lang="en-US"/>
           </a:p>
@@ -16978,7 +16978,7 @@
           <a:p>
             <a:fld id="{29D86A23-2DA8-4095-A477-F5F4398A3763}" type="datetime4">
               <a:rPr lang="en-US" smtClean="0"/>
-              <a:t>September 12, 2024</a:t>
+              <a:t>October 22, 2024</a:t>
             </a:fld>
             <a:endParaRPr lang="en-US"/>
           </a:p>
@@ -17722,7 +17722,7 @@
           <a:p>
             <a:fld id="{AA7BC61A-009C-42B5-928C-836B067986AD}" type="datetime4">
               <a:rPr lang="en-US" smtClean="0"/>
-              <a:t>September 12, 2024</a:t>
+              <a:t>October 22, 2024</a:t>
             </a:fld>
             <a:endParaRPr lang="en-US"/>
           </a:p>
@@ -18472,7 +18472,7 @@
           <a:p>
             <a:fld id="{C23D0FF6-95DA-49A3-89D5-6C424593463F}" type="datetime4">
               <a:rPr lang="en-US" smtClean="0"/>
-              <a:t>September 12, 2024</a:t>
+              <a:t>October 22, 2024</a:t>
             </a:fld>
             <a:endParaRPr lang="en-US"/>
           </a:p>
@@ -19296,7 +19296,7 @@
           <a:p>
             <a:fld id="{D6B8C349-EB5B-494D-BC10-28B7FC41D59F}" type="datetime4">
               <a:rPr lang="en-US" smtClean="0"/>
-              <a:t>September 12, 2024</a:t>
+              <a:t>October 22, 2024</a:t>
             </a:fld>
             <a:endParaRPr lang="en-US"/>
           </a:p>
@@ -20078,7 +20078,7 @@
           <a:p>
             <a:fld id="{F6848EEB-58F2-47E6-A52D-4EDE5CB027C2}" type="datetime4">
               <a:rPr lang="en-US" smtClean="0"/>
-              <a:t>September 12, 2024</a:t>
+              <a:t>October 22, 2024</a:t>
             </a:fld>
             <a:endParaRPr lang="en-US"/>
           </a:p>
@@ -20551,7 +20551,7 @@
           <a:p>
             <a:fld id="{FD577455-6E0A-4F53-A69D-4E01F1240409}" type="datetime4">
               <a:rPr lang="en-US" smtClean="0"/>
-              <a:t>September 12, 2024</a:t>
+              <a:t>October 22, 2024</a:t>
             </a:fld>
             <a:endParaRPr lang="en-US"/>
           </a:p>
@@ -21777,7 +21777,7 @@
           <a:p>
             <a:fld id="{9C920066-8275-4127-A0BD-BDA635CAC7F1}" type="datetime4">
               <a:rPr lang="en-US" smtClean="0"/>
-              <a:t>September 12, 2024</a:t>
+              <a:t>October 22, 2024</a:t>
             </a:fld>
             <a:endParaRPr lang="en-US"/>
           </a:p>
@@ -22317,7 +22317,7 @@
           <a:p>
             <a:fld id="{19188B39-4169-47CF-86D0-A34727D6412F}" type="datetime4">
               <a:rPr lang="en-US" smtClean="0"/>
-              <a:t>September 12, 2024</a:t>
+              <a:t>October 22, 2024</a:t>
             </a:fld>
             <a:endParaRPr lang="en-US"/>
           </a:p>
@@ -22853,7 +22853,7 @@
           <a:p>
             <a:fld id="{CF41104E-7A10-4B93-879A-230CEDA19C0E}" type="datetime4">
               <a:rPr lang="en-US" smtClean="0"/>
-              <a:t>September 12, 2024</a:t>
+              <a:t>October 22, 2024</a:t>
             </a:fld>
             <a:endParaRPr lang="en-US"/>
           </a:p>
@@ -23277,7 +23277,7 @@
           <a:p>
             <a:fld id="{186FAB3A-2234-4C22-85D0-0527F03D90E1}" type="datetime4">
               <a:rPr lang="en-US" smtClean="0"/>
-              <a:t>September 12, 2024</a:t>
+              <a:t>October 22, 2024</a:t>
             </a:fld>
             <a:endParaRPr lang="en-US"/>
           </a:p>
@@ -24143,7 +24143,7 @@
           <a:p>
             <a:fld id="{26CB690E-2CA5-4C71-8EB6-2BA47FD060D0}" type="datetime4">
               <a:rPr lang="en-US" smtClean="0"/>
-              <a:t>September 12, 2024</a:t>
+              <a:t>October 22, 2024</a:t>
             </a:fld>
             <a:endParaRPr lang="en-US"/>
           </a:p>
@@ -25006,7 +25006,7 @@
           <a:p>
             <a:fld id="{94A23808-0E7E-4885-82AC-81AB49FDA3E0}" type="datetime4">
               <a:rPr lang="en-US" smtClean="0"/>
-              <a:t>September 12, 2024</a:t>
+              <a:t>October 22, 2024</a:t>
             </a:fld>
             <a:endParaRPr lang="en-US"/>
           </a:p>
@@ -25258,7 +25258,7 @@
           <a:p>
             <a:fld id="{9DE4FD06-342E-4BB3-82D5-441E33CFDB4D}" type="datetime4">
               <a:rPr lang="en-US" smtClean="0"/>
-              <a:t>September 12, 2024</a:t>
+              <a:t>October 22, 2024</a:t>
             </a:fld>
             <a:endParaRPr lang="en-US"/>
           </a:p>
@@ -25863,7 +25863,7 @@
           <a:p>
             <a:fld id="{EB5EBC09-68AA-456E-8801-EF809EB0E669}" type="datetime4">
               <a:rPr lang="en-US" smtClean="0"/>
-              <a:t>September 12, 2024</a:t>
+              <a:t>October 22, 2024</a:t>
             </a:fld>
             <a:endParaRPr lang="en-US"/>
           </a:p>
@@ -26664,7 +26664,7 @@
           <a:p>
             <a:fld id="{703B32C5-5876-4424-93D8-E7B19477BA4A}" type="datetime4">
               <a:rPr lang="en-US" smtClean="0"/>
-              <a:t>September 12, 2024</a:t>
+              <a:t>October 22, 2024</a:t>
             </a:fld>
             <a:endParaRPr lang="en-US"/>
           </a:p>
@@ -27207,7 +27207,7 @@
           <a:p>
             <a:fld id="{4324097D-AFF4-4676-9DED-ACEB052DCEAF}" type="datetime4">
               <a:rPr lang="en-US" smtClean="0"/>
-              <a:t>September 12, 2024</a:t>
+              <a:t>October 22, 2024</a:t>
             </a:fld>
             <a:endParaRPr lang="en-US"/>
           </a:p>
@@ -28121,7 +28121,7 @@
           <a:p>
             <a:fld id="{FDEC96CD-1852-4CD7-AE34-B68EA30C5199}" type="datetime4">
               <a:rPr lang="en-US" smtClean="0"/>
-              <a:t>September 12, 2024</a:t>
+              <a:t>October 22, 2024</a:t>
             </a:fld>
             <a:endParaRPr lang="en-US"/>
           </a:p>
@@ -28681,7 +28681,7 @@
           <a:p>
             <a:fld id="{1FA116B7-5A0C-4D09-A113-A5C2B1BAF958}" type="datetime4">
               <a:rPr lang="en-US" smtClean="0"/>
-              <a:t>September 12, 2024</a:t>
+              <a:t>October 22, 2024</a:t>
             </a:fld>
             <a:endParaRPr lang="en-US"/>
           </a:p>
@@ -29395,7 +29395,7 @@
           <a:p>
             <a:fld id="{A7530FDF-DBC1-4AD0-AA8C-BF9F3BE4053D}" type="datetime4">
               <a:rPr lang="en-US" smtClean="0"/>
-              <a:t>September 12, 2024</a:t>
+              <a:t>October 22, 2024</a:t>
             </a:fld>
             <a:endParaRPr lang="en-US"/>
           </a:p>
@@ -30251,7 +30251,7 @@
           <a:p>
             <a:fld id="{64228BBA-9067-4CA3-8855-6C1B74D1321B}" type="datetime4">
               <a:rPr lang="en-US" smtClean="0"/>
-              <a:t>September 12, 2024</a:t>
+              <a:t>October 22, 2024</a:t>
             </a:fld>
             <a:endParaRPr lang="en-US"/>
           </a:p>
@@ -30676,7 +30676,7 @@
           <a:p>
             <a:fld id="{348CFD29-1440-4E26-B136-923F39561BBB}" type="datetime4">
               <a:rPr lang="en-US" smtClean="0"/>
-              <a:t>September 12, 2024</a:t>
+              <a:t>October 22, 2024</a:t>
             </a:fld>
             <a:endParaRPr lang="en-US"/>
           </a:p>
@@ -31024,7 +31024,7 @@
           <a:p>
             <a:fld id="{CC2C36E6-E549-4780-834B-2B179AEAD2A5}" type="datetime4">
               <a:rPr lang="en-US" smtClean="0"/>
-              <a:t>September 12, 2024</a:t>
+              <a:t>October 22, 2024</a:t>
             </a:fld>
             <a:endParaRPr lang="en-US"/>
           </a:p>
@@ -31277,7 +31277,7 @@
           <a:p>
             <a:fld id="{5866D7C6-9106-4559-B790-8C53DA21FC0A}" type="datetime4">
               <a:rPr lang="en-US" smtClean="0"/>
-              <a:t>September 12, 2024</a:t>
+              <a:t>October 22, 2024</a:t>
             </a:fld>
             <a:endParaRPr lang="en-US"/>
           </a:p>
@@ -33015,7 +33015,7 @@
           <a:p>
             <a:fld id="{081CD15E-E2F6-45AA-90A7-264C120D7328}" type="datetime4">
               <a:rPr lang="en-US" smtClean="0"/>
-              <a:t>September 12, 2024</a:t>
+              <a:t>October 22, 2024</a:t>
             </a:fld>
             <a:endParaRPr lang="en-US"/>
           </a:p>
@@ -33516,7 +33516,7 @@
           <a:p>
             <a:fld id="{FB5282D0-F054-4DC2-A0AA-A179EAE73FDC}" type="datetime4">
               <a:rPr lang="en-US" smtClean="0"/>
-              <a:t>September 12, 2024</a:t>
+              <a:t>October 22, 2024</a:t>
             </a:fld>
             <a:endParaRPr lang="en-US"/>
           </a:p>
@@ -33858,7 +33858,7 @@
           <a:p>
             <a:fld id="{EC03B383-37CA-4210-91C7-0408CA569492}" type="datetime4">
               <a:rPr lang="en-US" smtClean="0"/>
-              <a:t>September 12, 2024</a:t>
+              <a:t>October 22, 2024</a:t>
             </a:fld>
             <a:endParaRPr lang="en-US"/>
           </a:p>
@@ -34254,7 +34254,7 @@
           <a:p>
             <a:fld id="{172ACA22-1673-4C98-9BF5-A0E66F999350}" type="datetime4">
               <a:rPr lang="en-US" smtClean="0"/>
-              <a:t>September 12, 2024</a:t>
+              <a:t>October 22, 2024</a:t>
             </a:fld>
             <a:endParaRPr lang="en-US"/>
           </a:p>
@@ -34758,7 +34758,7 @@
           <a:p>
             <a:fld id="{E7EA5D7A-B5CA-42A0-BB58-CAF58F8DB3C1}" type="datetime4">
               <a:rPr lang="en-US" smtClean="0"/>
-              <a:t>September 12, 2024</a:t>
+              <a:t>October 22, 2024</a:t>
             </a:fld>
             <a:endParaRPr lang="en-US"/>
           </a:p>
@@ -35261,7 +35261,7 @@
           <a:p>
             <a:fld id="{FEB5D161-D8A6-48B0-84A9-69B271BB35D7}" type="datetime4">
               <a:rPr lang="en-US" smtClean="0"/>
-              <a:t>September 12, 2024</a:t>
+              <a:t>October 22, 2024</a:t>
             </a:fld>
             <a:endParaRPr lang="en-US"/>
           </a:p>
@@ -35601,7 +35601,7 @@
           <a:p>
             <a:fld id="{85C10949-43CF-41BC-BB73-18C89D5D24CC}" type="datetime4">
               <a:rPr lang="en-US" smtClean="0"/>
-              <a:t>September 12, 2024</a:t>
+              <a:t>October 22, 2024</a:t>
             </a:fld>
             <a:endParaRPr lang="en-US"/>
           </a:p>
@@ -35964,7 +35964,7 @@
           <a:p>
             <a:fld id="{D8286EC7-7C26-430A-96C1-E76E3022EEA0}" type="datetime4">
               <a:rPr lang="en-US" smtClean="0"/>
-              <a:t>September 12, 2024</a:t>
+              <a:t>October 22, 2024</a:t>
             </a:fld>
             <a:endParaRPr lang="en-US"/>
           </a:p>
@@ -37043,7 +37043,7 @@
           <a:p>
             <a:fld id="{09CF9A28-047C-490B-991E-F65B0B49256F}" type="datetime4">
               <a:rPr lang="en-US" smtClean="0"/>
-              <a:t>September 12, 2024</a:t>
+              <a:t>October 22, 2024</a:t>
             </a:fld>
             <a:endParaRPr lang="en-US"/>
           </a:p>
@@ -38485,7 +38485,7 @@
           <a:p>
             <a:fld id="{723225F1-86A1-46C6-B964-4D22E6F71B53}" type="datetime4">
               <a:rPr lang="en-US" smtClean="0"/>
-              <a:t>September 12, 2024</a:t>
+              <a:t>October 22, 2024</a:t>
             </a:fld>
             <a:endParaRPr lang="en-US"/>
           </a:p>
@@ -40122,7 +40122,7 @@
           <a:p>
             <a:fld id="{5296A52D-EBB1-4279-A268-94FD8322F177}" type="datetime4">
               <a:rPr lang="en-US" smtClean="0"/>
-              <a:t>September 12, 2024</a:t>
+              <a:t>October 22, 2024</a:t>
             </a:fld>
             <a:endParaRPr lang="en-US"/>
           </a:p>
@@ -41759,7 +41759,7 @@
           <a:p>
             <a:fld id="{6B4DC789-4187-426C-B0AB-F4EB2D86449E}" type="datetime4">
               <a:rPr lang="en-US" smtClean="0"/>
-              <a:t>September 12, 2024</a:t>
+              <a:t>October 22, 2024</a:t>
             </a:fld>
             <a:endParaRPr lang="en-US"/>
           </a:p>
@@ -42804,7 +42804,7 @@
           <a:p>
             <a:fld id="{12F2EEA0-C87C-4A94-8DF5-C73C1919DB40}" type="datetime4">
               <a:rPr lang="en-US" smtClean="0"/>
-              <a:t>September 12, 2024</a:t>
+              <a:t>October 22, 2024</a:t>
             </a:fld>
             <a:endParaRPr lang="en-US"/>
           </a:p>
@@ -43219,7 +43219,7 @@
           <a:p>
             <a:fld id="{940E48C3-141C-4B9B-ACA9-E3C9CCB62C60}" type="datetime4">
               <a:rPr lang="en-US" smtClean="0"/>
-              <a:t>September 12, 2024</a:t>
+              <a:t>October 22, 2024</a:t>
             </a:fld>
             <a:endParaRPr lang="en-US"/>
           </a:p>
@@ -43881,7 +43881,7 @@
           <a:p>
             <a:fld id="{C047EE80-52B0-46FF-8AF1-94FAAC9E479B}" type="datetime4">
               <a:rPr lang="en-US" smtClean="0"/>
-              <a:t>September 12, 2024</a:t>
+              <a:t>October 22, 2024</a:t>
             </a:fld>
             <a:endParaRPr lang="en-US"/>
           </a:p>
@@ -44247,7 +44247,7 @@
           <a:p>
             <a:fld id="{94A23808-0E7E-4885-82AC-81AB49FDA3E0}" type="datetime4">
               <a:rPr lang="en-US" smtClean="0"/>
-              <a:t>September 12, 2024</a:t>
+              <a:t>October 22, 2024</a:t>
             </a:fld>
             <a:endParaRPr lang="en-US"/>
           </a:p>
@@ -44621,7 +44621,7 @@
           <a:p>
             <a:fld id="{C047EE80-52B0-46FF-8AF1-94FAAC9E479B}" type="datetime4">
               <a:rPr lang="en-US" smtClean="0"/>
-              <a:t>September 12, 2024</a:t>
+              <a:t>October 22, 2024</a:t>
             </a:fld>
             <a:endParaRPr lang="en-US"/>
           </a:p>
@@ -44920,7 +44920,7 @@
           <a:p>
             <a:fld id="{94A23808-0E7E-4885-82AC-81AB49FDA3E0}" type="datetime4">
               <a:rPr lang="en-US" smtClean="0"/>
-              <a:t>September 12, 2024</a:t>
+              <a:t>October 22, 2024</a:t>
             </a:fld>
             <a:endParaRPr lang="en-US"/>
           </a:p>
@@ -45456,7 +45456,7 @@
           <a:p>
             <a:fld id="{C047EE80-52B0-46FF-8AF1-94FAAC9E479B}" type="datetime4">
               <a:rPr lang="en-US" smtClean="0"/>
-              <a:t>September 12, 2024</a:t>
+              <a:t>October 22, 2024</a:t>
             </a:fld>
             <a:endParaRPr lang="en-US"/>
           </a:p>
@@ -46138,7 +46138,7 @@
           <a:p>
             <a:fld id="{94A23808-0E7E-4885-82AC-81AB49FDA3E0}" type="datetime4">
               <a:rPr lang="en-US" smtClean="0"/>
-              <a:t>September 12, 2024</a:t>
+              <a:t>October 22, 2024</a:t>
             </a:fld>
             <a:endParaRPr lang="en-US"/>
           </a:p>
@@ -46565,7 +46565,7 @@
         <p:spPr/>
         <p:txBody>
           <a:bodyPr>
-            <a:normAutofit fontScale="90000"/>
+            <a:normAutofit/>
           </a:bodyPr>
           <a:lstStyle/>
           <a:p>
@@ -46786,7 +46786,7 @@
           <a:p>
             <a:fld id="{94A23808-0E7E-4885-82AC-81AB49FDA3E0}" type="datetime4">
               <a:rPr lang="en-US" smtClean="0"/>
-              <a:t>September 12, 2024</a:t>
+              <a:t>October 22, 2024</a:t>
             </a:fld>
             <a:endParaRPr lang="en-US"/>
           </a:p>
@@ -47126,7 +47126,7 @@
           <a:p>
             <a:fld id="{94A23808-0E7E-4885-82AC-81AB49FDA3E0}" type="datetime4">
               <a:rPr lang="en-US" smtClean="0"/>
-              <a:t>September 12, 2024</a:t>
+              <a:t>October 22, 2024</a:t>
             </a:fld>
             <a:endParaRPr lang="en-US"/>
           </a:p>
@@ -47759,7 +47759,7 @@
           <a:p>
             <a:fld id="{94A23808-0E7E-4885-82AC-81AB49FDA3E0}" type="datetime4">
               <a:rPr lang="en-US" smtClean="0"/>
-              <a:t>September 12, 2024</a:t>
+              <a:t>October 22, 2024</a:t>
             </a:fld>
             <a:endParaRPr lang="en-US"/>
           </a:p>
@@ -47996,8 +47996,13 @@
             </a:pPr>
             <a:r>
               <a:rPr lang="en-GB" dirty="0"/>
-              <a:t>Handling of context shits</a:t>
-            </a:r>
+              <a:t>Handling of </a:t>
+            </a:r>
+            <a:r>
+              <a:rPr lang="en-GB"/>
+              <a:t>context shifts</a:t>
+            </a:r>
+            <a:endParaRPr lang="en-GB" dirty="0"/>
           </a:p>
           <a:p>
             <a:pPr marL="285750" indent="-285750">
@@ -48090,7 +48095,7 @@
           <a:p>
             <a:fld id="{94A23808-0E7E-4885-82AC-81AB49FDA3E0}" type="datetime4">
               <a:rPr lang="en-US" smtClean="0"/>
-              <a:t>September 12, 2024</a:t>
+              <a:t>October 22, 2024</a:t>
             </a:fld>
             <a:endParaRPr lang="en-US"/>
           </a:p>
@@ -49145,7 +49150,7 @@
           <a:p>
             <a:fld id="{94A23808-0E7E-4885-82AC-81AB49FDA3E0}" type="datetime4">
               <a:rPr lang="en-US" smtClean="0"/>
-              <a:t>September 12, 2024</a:t>
+              <a:t>October 22, 2024</a:t>
             </a:fld>
             <a:endParaRPr lang="en-US"/>
           </a:p>
@@ -49426,7 +49431,7 @@
           <a:p>
             <a:fld id="{94A23808-0E7E-4885-82AC-81AB49FDA3E0}" type="datetime4">
               <a:rPr lang="en-US" smtClean="0"/>
-              <a:t>September 12, 2024</a:t>
+              <a:t>October 22, 2024</a:t>
             </a:fld>
             <a:endParaRPr lang="en-US"/>
           </a:p>
@@ -50095,7 +50100,7 @@
           <a:p>
             <a:fld id="{723225F1-86A1-46C6-B964-4D22E6F71B53}" type="datetime4">
               <a:rPr lang="en-US" smtClean="0"/>
-              <a:t>September 12, 2024</a:t>
+              <a:t>October 22, 2024</a:t>
             </a:fld>
             <a:endParaRPr lang="en-US"/>
           </a:p>
@@ -50470,7 +50475,7 @@
           <a:p>
             <a:fld id="{94A23808-0E7E-4885-82AC-81AB49FDA3E0}" type="datetime4">
               <a:rPr lang="en-US" smtClean="0"/>
-              <a:t>September 12, 2024</a:t>
+              <a:t>October 22, 2024</a:t>
             </a:fld>
             <a:endParaRPr lang="en-US"/>
           </a:p>
@@ -50790,7 +50795,7 @@
           <a:p>
             <a:fld id="{94A23808-0E7E-4885-82AC-81AB49FDA3E0}" type="datetime4">
               <a:rPr lang="en-US" smtClean="0"/>
-              <a:t>September 12, 2024</a:t>
+              <a:t>October 22, 2024</a:t>
             </a:fld>
             <a:endParaRPr lang="en-US"/>
           </a:p>
@@ -51386,7 +51391,7 @@
           <a:p>
             <a:fld id="{C047EE80-52B0-46FF-8AF1-94FAAC9E479B}" type="datetime4">
               <a:rPr lang="en-US" smtClean="0"/>
-              <a:t>September 12, 2024</a:t>
+              <a:t>October 22, 2024</a:t>
             </a:fld>
             <a:endParaRPr lang="en-US"/>
           </a:p>
@@ -51530,7 +51535,7 @@
           <a:p>
             <a:fld id="{C047EE80-52B0-46FF-8AF1-94FAAC9E479B}" type="datetime4">
               <a:rPr lang="en-US" smtClean="0"/>
-              <a:t>September 12, 2024</a:t>
+              <a:t>October 22, 2024</a:t>
             </a:fld>
             <a:endParaRPr lang="en-US"/>
           </a:p>
@@ -52165,7 +52170,7 @@
           <a:p>
             <a:fld id="{94A23808-0E7E-4885-82AC-81AB49FDA3E0}" type="datetime4">
               <a:rPr lang="en-US" smtClean="0"/>
-              <a:t>September 12, 2024</a:t>
+              <a:t>October 22, 2024</a:t>
             </a:fld>
             <a:endParaRPr lang="en-US"/>
           </a:p>
@@ -52338,7 +52343,7 @@
           <a:p>
             <a:fld id="{94A23808-0E7E-4885-82AC-81AB49FDA3E0}" type="datetime4">
               <a:rPr lang="en-US" smtClean="0"/>
-              <a:t>September 12, 2024</a:t>
+              <a:t>October 22, 2024</a:t>
             </a:fld>
             <a:endParaRPr lang="en-US"/>
           </a:p>
